--- a/_SLIDES/2020_DEEL1/H7-Methoden/H7-3-advanced methods.pptx
+++ b/_SLIDES/2020_DEEL1/H7-Methoden/H7-3-advanced methods.pptx
@@ -2619,7 +2619,15 @@
           </a:r>
           <a:r>
             <a:rPr lang="en-US" dirty="0"/>
-            <a:t> sort regels </a:t>
+            <a:t> </a:t>
+          </a:r>
+          <a:r>
+            <a:rPr lang="en-US" dirty="0" err="1"/>
+            <a:t>soort</a:t>
+          </a:r>
+          <a:r>
+            <a:rPr lang="en-US" dirty="0"/>
+            <a:t> regels </a:t>
           </a:r>
           <a:r>
             <a:rPr lang="en-US" dirty="0" err="1"/>
@@ -2663,7 +2671,7 @@
           </a:r>
           <a:r>
             <a:rPr lang="en-US" dirty="0" err="1"/>
-            <a:t>woden</a:t>
+            <a:t>worden</a:t>
           </a:r>
           <a:r>
             <a:rPr lang="en-US" dirty="0"/>
@@ -4102,7 +4110,15 @@
           </a:r>
           <a:r>
             <a:rPr lang="en-US" sz="1700" kern="1200" dirty="0"/>
-            <a:t> sort regels </a:t>
+            <a:t> </a:t>
+          </a:r>
+          <a:r>
+            <a:rPr lang="en-US" sz="1700" kern="1200" dirty="0" err="1"/>
+            <a:t>soort</a:t>
+          </a:r>
+          <a:r>
+            <a:rPr lang="en-US" sz="1700" kern="1200" dirty="0"/>
+            <a:t> regels </a:t>
           </a:r>
           <a:r>
             <a:rPr lang="en-US" sz="1700" kern="1200" dirty="0" err="1"/>
@@ -4146,7 +4162,7 @@
           </a:r>
           <a:r>
             <a:rPr lang="en-US" sz="1700" kern="1200" dirty="0" err="1"/>
-            <a:t>woden</a:t>
+            <a:t>worden</a:t>
           </a:r>
           <a:r>
             <a:rPr lang="en-US" sz="1700" kern="1200" dirty="0"/>
@@ -6808,7 +6824,7 @@
           <a:p>
             <a:fld id="{AF27F968-6FE5-48F3-A684-16CD38A0B50E}" type="datetimeFigureOut">
               <a:rPr lang="nl-BE" smtClean="0"/>
-              <a:t>14/09/2020</a:t>
+              <a:t>9/10/2020</a:t>
             </a:fld>
             <a:endParaRPr lang="nl-BE"/>
           </a:p>
@@ -10535,7 +10551,7 @@
           <a:p>
             <a:fld id="{6C40D256-6CFC-44EA-A711-CA030629B231}" type="datetimeFigureOut">
               <a:rPr lang="nl-BE" smtClean="0"/>
-              <a:t>14/09/2020</a:t>
+              <a:t>9/10/2020</a:t>
             </a:fld>
             <a:endParaRPr lang="nl-BE"/>
           </a:p>
@@ -10828,7 +10844,7 @@
           <a:p>
             <a:fld id="{6C40D256-6CFC-44EA-A711-CA030629B231}" type="datetimeFigureOut">
               <a:rPr lang="nl-BE" smtClean="0"/>
-              <a:t>14/09/2020</a:t>
+              <a:t>9/10/2020</a:t>
             </a:fld>
             <a:endParaRPr lang="nl-BE"/>
           </a:p>
@@ -11038,7 +11054,7 @@
           <a:p>
             <a:fld id="{6C40D256-6CFC-44EA-A711-CA030629B231}" type="datetimeFigureOut">
               <a:rPr lang="nl-BE" smtClean="0"/>
-              <a:t>14/09/2020</a:t>
+              <a:t>9/10/2020</a:t>
             </a:fld>
             <a:endParaRPr lang="nl-BE"/>
           </a:p>
@@ -11268,7 +11284,7 @@
           <a:p>
             <a:fld id="{6C40D256-6CFC-44EA-A711-CA030629B231}" type="datetimeFigureOut">
               <a:rPr lang="nl-BE" smtClean="0"/>
-              <a:t>14/09/2020</a:t>
+              <a:t>9/10/2020</a:t>
             </a:fld>
             <a:endParaRPr lang="nl-BE"/>
           </a:p>
@@ -11544,7 +11560,7 @@
           <a:p>
             <a:fld id="{6C40D256-6CFC-44EA-A711-CA030629B231}" type="datetimeFigureOut">
               <a:rPr lang="nl-BE" smtClean="0"/>
-              <a:t>14/09/2020</a:t>
+              <a:t>9/10/2020</a:t>
             </a:fld>
             <a:endParaRPr lang="nl-BE"/>
           </a:p>
@@ -11812,7 +11828,7 @@
           <a:p>
             <a:fld id="{6C40D256-6CFC-44EA-A711-CA030629B231}" type="datetimeFigureOut">
               <a:rPr lang="nl-BE" smtClean="0"/>
-              <a:t>14/09/2020</a:t>
+              <a:t>9/10/2020</a:t>
             </a:fld>
             <a:endParaRPr lang="nl-BE"/>
           </a:p>
@@ -12227,7 +12243,7 @@
           <a:p>
             <a:fld id="{6C40D256-6CFC-44EA-A711-CA030629B231}" type="datetimeFigureOut">
               <a:rPr lang="nl-BE" smtClean="0"/>
-              <a:t>14/09/2020</a:t>
+              <a:t>9/10/2020</a:t>
             </a:fld>
             <a:endParaRPr lang="nl-BE"/>
           </a:p>
@@ -12369,7 +12385,7 @@
           <a:p>
             <a:fld id="{6C40D256-6CFC-44EA-A711-CA030629B231}" type="datetimeFigureOut">
               <a:rPr lang="nl-BE" smtClean="0"/>
-              <a:t>14/09/2020</a:t>
+              <a:t>9/10/2020</a:t>
             </a:fld>
             <a:endParaRPr lang="nl-BE"/>
           </a:p>
@@ -12482,7 +12498,7 @@
           <a:p>
             <a:fld id="{6C40D256-6CFC-44EA-A711-CA030629B231}" type="datetimeFigureOut">
               <a:rPr lang="nl-BE" smtClean="0"/>
-              <a:t>14/09/2020</a:t>
+              <a:t>9/10/2020</a:t>
             </a:fld>
             <a:endParaRPr lang="nl-BE"/>
           </a:p>
@@ -12795,7 +12811,7 @@
           <a:p>
             <a:fld id="{6C40D256-6CFC-44EA-A711-CA030629B231}" type="datetimeFigureOut">
               <a:rPr lang="nl-BE" smtClean="0"/>
-              <a:t>14/09/2020</a:t>
+              <a:t>9/10/2020</a:t>
             </a:fld>
             <a:endParaRPr lang="nl-BE"/>
           </a:p>
@@ -13088,7 +13104,7 @@
           <a:p>
             <a:fld id="{6C40D256-6CFC-44EA-A711-CA030629B231}" type="datetimeFigureOut">
               <a:rPr lang="nl-BE" smtClean="0"/>
-              <a:t>14/09/2020</a:t>
+              <a:t>9/10/2020</a:t>
             </a:fld>
             <a:endParaRPr lang="nl-BE"/>
           </a:p>
@@ -13331,7 +13347,7 @@
           <a:p>
             <a:fld id="{6C40D256-6CFC-44EA-A711-CA030629B231}" type="datetimeFigureOut">
               <a:rPr lang="nl-BE" smtClean="0"/>
-              <a:t>14/09/2020</a:t>
+              <a:t>9/10/2020</a:t>
             </a:fld>
             <a:endParaRPr lang="nl-BE"/>
           </a:p>
@@ -15316,7 +15332,7 @@
           <p:nvPr>
             <p:extLst>
               <p:ext uri="{D42A27DB-BD31-4B8C-83A1-F6EECF244321}">
-                <p14:modId xmlns:p14="http://schemas.microsoft.com/office/powerpoint/2010/main" val="4040094938"/>
+                <p14:modId xmlns:p14="http://schemas.microsoft.com/office/powerpoint/2010/main" val="3201633376"/>
               </p:ext>
             </p:extLst>
           </p:nvPr>
@@ -18180,8 +18196,8 @@
         </p:nvSpPr>
         <p:spPr>
           <a:xfrm>
-            <a:off x="286908" y="6211669"/>
-            <a:ext cx="11784632" cy="646331"/>
+            <a:off x="838200" y="6224369"/>
+            <a:ext cx="11233340" cy="646331"/>
           </a:xfrm>
           <a:prstGeom prst="rect">
             <a:avLst/>
@@ -19166,7 +19182,7 @@
           <a:p>
             <a:r>
               <a:rPr lang="nl-BE" dirty="0"/>
-              <a:t>But…</a:t>
+              <a:t>Maar…</a:t>
             </a:r>
           </a:p>
         </p:txBody>
@@ -22984,70 +23000,6 @@
           </a:p>
         </p:txBody>
       </p:sp>
-      <p:pic>
-        <p:nvPicPr>
-          <p:cNvPr id="15362" name="Picture 2"/>
-          <p:cNvPicPr>
-            <a:picLocks noChangeAspect="1" noChangeArrowheads="1"/>
-          </p:cNvPicPr>
-          <p:nvPr/>
-        </p:nvPicPr>
-        <p:blipFill>
-          <a:blip r:embed="rId4">
-            <a:extLst>
-              <a:ext uri="{28A0092B-C50C-407E-A947-70E740481C1C}">
-                <a14:useLocalDpi xmlns:a14="http://schemas.microsoft.com/office/drawing/2010/main" val="0"/>
-              </a:ext>
-            </a:extLst>
-          </a:blip>
-          <a:srcRect/>
-          <a:stretch>
-            <a:fillRect/>
-          </a:stretch>
-        </p:blipFill>
-        <p:spPr bwMode="auto">
-          <a:xfrm>
-            <a:off x="2438401" y="1361455"/>
-            <a:ext cx="6581775" cy="219075"/>
-          </a:xfrm>
-          <a:prstGeom prst="rect">
-            <a:avLst/>
-          </a:prstGeom>
-          <a:noFill/>
-          <a:ln>
-            <a:noFill/>
-          </a:ln>
-          <a:effectLst/>
-          <a:extLst>
-            <a:ext uri="{909E8E84-426E-40DD-AFC4-6F175D3DCCD1}">
-              <a14:hiddenFill xmlns:a14="http://schemas.microsoft.com/office/drawing/2010/main">
-                <a:solidFill>
-                  <a:schemeClr val="accent1"/>
-                </a:solidFill>
-              </a14:hiddenFill>
-            </a:ext>
-            <a:ext uri="{91240B29-F687-4F45-9708-019B960494DF}">
-              <a14:hiddenLine xmlns:a14="http://schemas.microsoft.com/office/drawing/2010/main" w="9525">
-                <a:solidFill>
-                  <a:schemeClr val="tx1"/>
-                </a:solidFill>
-                <a:miter lim="800000"/>
-                <a:headEnd/>
-                <a:tailEnd/>
-              </a14:hiddenLine>
-            </a:ext>
-            <a:ext uri="{AF507438-7753-43E0-B8FC-AC1667EBCBE1}">
-              <a14:hiddenEffects xmlns:a14="http://schemas.microsoft.com/office/drawing/2010/main">
-                <a:effectLst>
-                  <a:outerShdw dist="35921" dir="2700000" algn="ctr" rotWithShape="0">
-                    <a:schemeClr val="bg2"/>
-                  </a:outerShdw>
-                </a:effectLst>
-              </a14:hiddenEffects>
-            </a:ext>
-          </a:extLst>
-        </p:spPr>
-      </p:pic>
     </p:spTree>
     <p:extLst>
       <p:ext uri="{BB962C8B-B14F-4D97-AF65-F5344CB8AC3E}">
@@ -24903,7 +24855,7 @@
           <a:p>
             <a:r>
               <a:rPr lang="en-US" b="1" dirty="0"/>
-              <a:t>Named </a:t>
+              <a:t>Named parameters </a:t>
             </a:r>
             <a:r>
               <a:rPr lang="en-US" b="1" dirty="0" err="1"/>
@@ -24949,7 +24901,10 @@
               <a:rPr lang="en-US" b="1" dirty="0" err="1"/>
               <a:t>worden</a:t>
             </a:r>
-            <a:endParaRPr lang="en-US" b="1" dirty="0"/>
+            <a:r>
+              <a:rPr lang="en-US" b="1" dirty="0"/>
+              <a:t>:</a:t>
+            </a:r>
           </a:p>
           <a:p>
             <a:pPr lvl="1"/>
@@ -25162,8 +25117,8 @@
         </p:blipFill>
         <p:spPr>
           <a:xfrm>
-            <a:off x="2347607" y="365125"/>
-            <a:ext cx="7604727" cy="1108411"/>
+            <a:off x="689042" y="147974"/>
+            <a:ext cx="10109823" cy="1473536"/>
           </a:xfrm>
           <a:prstGeom prst="rect">
             <a:avLst/>
